--- a/Real Time Stock Analysis.pptx
+++ b/Real Time Stock Analysis.pptx
@@ -1587,7 +1587,7 @@
                 </a:extLst>
               </a:hlinkClick>
             </a:rPr>
-            <a:t>Git hub</a:t>
+            <a:t>Deployed Application</a:t>
           </a:r>
           <a:endParaRPr lang="en-US" sz="1200" b="1" u="sng" dirty="0">
             <a:solidFill>
@@ -1638,7 +1638,7 @@
               <a:solidFill>
                 <a:schemeClr val="tx1"/>
               </a:solidFill>
-              <a:hlinkClick xmlns:r="http://schemas.openxmlformats.org/officeDocument/2006/relationships" r:id="rId1">
+              <a:hlinkClick xmlns:r="http://schemas.openxmlformats.org/officeDocument/2006/relationships" r:id="rId2">
                 <a:extLst>
                   <a:ext uri="{A12FA001-AC4F-418D-AE19-62706E023703}">
                     <ahyp:hlinkClr xmlns:ahyp="http://schemas.microsoft.com/office/drawing/2018/hyperlinkcolor" val="tx"/>
@@ -1884,7 +1884,7 @@
                 </a:extLst>
               </a:hlinkClick>
             </a:rPr>
-            <a:t>Git hub</a:t>
+            <a:t>Deployed Application</a:t>
           </a:r>
           <a:endParaRPr lang="en-US" sz="1200" b="1" u="sng" kern="1200" dirty="0">
             <a:solidFill>
@@ -2375,7 +2375,7 @@
               <a:solidFill>
                 <a:schemeClr val="tx1"/>
               </a:solidFill>
-              <a:hlinkClick xmlns:r="http://schemas.openxmlformats.org/officeDocument/2006/relationships" r:id="rId1">
+              <a:hlinkClick xmlns:r="http://schemas.openxmlformats.org/officeDocument/2006/relationships" r:id="rId2">
                 <a:extLst>
                   <a:ext uri="{A12FA001-AC4F-418D-AE19-62706E023703}">
                     <ahyp:hlinkClr xmlns:ahyp="http://schemas.microsoft.com/office/drawing/2018/hyperlinkcolor" val="tx"/>
@@ -4449,7 +4449,7 @@
           <a:p>
             <a:fld id="{866D81A9-CFC2-4640-899E-DD3E177BE50A}" type="datetimeFigureOut">
               <a:rPr lang="en-US" smtClean="0"/>
-              <a:t>6/4/2022</a:t>
+              <a:t>6/6/2022</a:t>
             </a:fld>
             <a:endParaRPr lang="en-US" dirty="0"/>
           </a:p>
@@ -4626,7 +4626,7 @@
           <a:p>
             <a:fld id="{AA1E50F4-C55A-473A-A70B-4B042EF011A9}" type="datetimeFigureOut">
               <a:rPr lang="en-US" smtClean="0"/>
-              <a:t>6/4/2022</a:t>
+              <a:t>6/6/2022</a:t>
             </a:fld>
             <a:endParaRPr lang="en-US" dirty="0"/>
           </a:p>
@@ -5543,7 +5543,7 @@
             <a:fld id="{87DE6118-2437-4B30-8E3C-4D2BE6020583}" type="datetimeFigureOut">
               <a:rPr lang="en-US" smtClean="0"/>
               <a:pPr/>
-              <a:t>6/4/2022</a:t>
+              <a:t>6/6/2022</a:t>
             </a:fld>
             <a:endParaRPr lang="en-US" dirty="0"/>
           </a:p>
@@ -5879,7 +5879,7 @@
             <a:fld id="{87DE6118-2437-4B30-8E3C-4D2BE6020583}" type="datetimeFigureOut">
               <a:rPr lang="en-US" smtClean="0"/>
               <a:pPr/>
-              <a:t>6/4/2022</a:t>
+              <a:t>6/6/2022</a:t>
             </a:fld>
             <a:endParaRPr lang="en-US" dirty="0"/>
           </a:p>
@@ -6159,7 +6159,7 @@
             <a:fld id="{87DE6118-2437-4B30-8E3C-4D2BE6020583}" type="datetimeFigureOut">
               <a:rPr lang="en-US" smtClean="0"/>
               <a:pPr/>
-              <a:t>6/4/2022</a:t>
+              <a:t>6/6/2022</a:t>
             </a:fld>
             <a:endParaRPr lang="en-US" dirty="0"/>
           </a:p>
@@ -6729,7 +6729,7 @@
             <a:fld id="{87DE6118-2437-4B30-8E3C-4D2BE6020583}" type="datetimeFigureOut">
               <a:rPr lang="en-US" smtClean="0"/>
               <a:pPr/>
-              <a:t>6/4/2022</a:t>
+              <a:t>6/6/2022</a:t>
             </a:fld>
             <a:endParaRPr lang="en-US" dirty="0"/>
           </a:p>
@@ -7009,7 +7009,7 @@
             <a:fld id="{87DE6118-2437-4B30-8E3C-4D2BE6020583}" type="datetimeFigureOut">
               <a:rPr lang="en-US" smtClean="0"/>
               <a:pPr/>
-              <a:t>6/4/2022</a:t>
+              <a:t>6/6/2022</a:t>
             </a:fld>
             <a:endParaRPr lang="en-US" dirty="0"/>
           </a:p>
@@ -7573,7 +7573,7 @@
             <a:fld id="{87DE6118-2437-4B30-8E3C-4D2BE6020583}" type="datetimeFigureOut">
               <a:rPr lang="en-US" smtClean="0"/>
               <a:pPr/>
-              <a:t>6/4/2022</a:t>
+              <a:t>6/6/2022</a:t>
             </a:fld>
             <a:endParaRPr lang="en-US" dirty="0"/>
           </a:p>
@@ -7902,7 +7902,7 @@
             <a:fld id="{87DE6118-2437-4B30-8E3C-4D2BE6020583}" type="datetimeFigureOut">
               <a:rPr lang="en-US" smtClean="0"/>
               <a:pPr/>
-              <a:t>6/4/2022</a:t>
+              <a:t>6/6/2022</a:t>
             </a:fld>
             <a:endParaRPr lang="en-US" dirty="0"/>
           </a:p>
@@ -8108,7 +8108,7 @@
           <a:p>
             <a:fld id="{87DE6118-2437-4B30-8E3C-4D2BE6020583}" type="datetimeFigureOut">
               <a:rPr lang="en-US" smtClean="0"/>
-              <a:t>6/4/2022</a:t>
+              <a:t>6/6/2022</a:t>
             </a:fld>
             <a:endParaRPr lang="en-US" dirty="0"/>
           </a:p>
@@ -8318,7 +8318,7 @@
           <a:p>
             <a:fld id="{87DE6118-2437-4B30-8E3C-4D2BE6020583}" type="datetimeFigureOut">
               <a:rPr lang="en-US" smtClean="0"/>
-              <a:t>6/4/2022</a:t>
+              <a:t>6/6/2022</a:t>
             </a:fld>
             <a:endParaRPr lang="en-US" dirty="0"/>
           </a:p>
@@ -8518,7 +8518,7 @@
           <a:p>
             <a:fld id="{87DE6118-2437-4B30-8E3C-4D2BE6020583}" type="datetimeFigureOut">
               <a:rPr lang="en-US" smtClean="0"/>
-              <a:t>6/4/2022</a:t>
+              <a:t>6/6/2022</a:t>
             </a:fld>
             <a:endParaRPr lang="en-US" dirty="0"/>
           </a:p>
@@ -8795,7 +8795,7 @@
             <a:fld id="{87DE6118-2437-4B30-8E3C-4D2BE6020583}" type="datetimeFigureOut">
               <a:rPr lang="en-US" smtClean="0"/>
               <a:pPr/>
-              <a:t>6/4/2022</a:t>
+              <a:t>6/6/2022</a:t>
             </a:fld>
             <a:endParaRPr lang="en-US" dirty="0"/>
           </a:p>
@@ -9062,7 +9062,7 @@
           <a:p>
             <a:fld id="{87DE6118-2437-4B30-8E3C-4D2BE6020583}" type="datetimeFigureOut">
               <a:rPr lang="en-US" smtClean="0"/>
-              <a:t>6/4/2022</a:t>
+              <a:t>6/6/2022</a:t>
             </a:fld>
             <a:endParaRPr lang="en-US" dirty="0"/>
           </a:p>
@@ -9436,7 +9436,7 @@
           <a:p>
             <a:fld id="{87DE6118-2437-4B30-8E3C-4D2BE6020583}" type="datetimeFigureOut">
               <a:rPr lang="en-US" smtClean="0"/>
-              <a:t>6/4/2022</a:t>
+              <a:t>6/6/2022</a:t>
             </a:fld>
             <a:endParaRPr lang="en-US" dirty="0"/>
           </a:p>
@@ -9584,7 +9584,7 @@
           <a:p>
             <a:fld id="{87DE6118-2437-4B30-8E3C-4D2BE6020583}" type="datetimeFigureOut">
               <a:rPr lang="en-US" smtClean="0"/>
-              <a:t>6/4/2022</a:t>
+              <a:t>6/6/2022</a:t>
             </a:fld>
             <a:endParaRPr lang="en-US" dirty="0"/>
           </a:p>
@@ -9709,7 +9709,7 @@
           <a:p>
             <a:fld id="{87DE6118-2437-4B30-8E3C-4D2BE6020583}" type="datetimeFigureOut">
               <a:rPr lang="en-US" smtClean="0"/>
-              <a:t>6/4/2022</a:t>
+              <a:t>6/6/2022</a:t>
             </a:fld>
             <a:endParaRPr lang="en-US" dirty="0"/>
           </a:p>
@@ -9995,7 +9995,7 @@
             <a:fld id="{87DE6118-2437-4B30-8E3C-4D2BE6020583}" type="datetimeFigureOut">
               <a:rPr lang="en-US" smtClean="0"/>
               <a:pPr/>
-              <a:t>6/4/2022</a:t>
+              <a:t>6/6/2022</a:t>
             </a:fld>
             <a:endParaRPr lang="en-US" dirty="0"/>
           </a:p>
@@ -10321,7 +10321,7 @@
             <a:fld id="{87DE6118-2437-4B30-8E3C-4D2BE6020583}" type="datetimeFigureOut">
               <a:rPr lang="en-US" smtClean="0"/>
               <a:pPr/>
-              <a:t>6/4/2022</a:t>
+              <a:t>6/6/2022</a:t>
             </a:fld>
             <a:endParaRPr lang="en-US" dirty="0"/>
           </a:p>
@@ -10537,7 +10537,7 @@
             <a:fld id="{87DE6118-2437-4B30-8E3C-4D2BE6020583}" type="datetimeFigureOut">
               <a:rPr lang="en-US" smtClean="0"/>
               <a:pPr/>
-              <a:t>6/4/2022</a:t>
+              <a:t>6/6/2022</a:t>
             </a:fld>
             <a:endParaRPr lang="en-US" dirty="0"/>
           </a:p>
@@ -11321,7 +11321,7 @@
                 <a:latin typeface="Calibri" panose="020F0502020204030204" pitchFamily="34" charset="0"/>
                 <a:cs typeface="Calibri" panose="020F0502020204030204" pitchFamily="34" charset="0"/>
               </a:rPr>
-              <a:t>In today's fast pacing era, it is hard for a stock investor/trader to keep track of the stock prices and the highlights related to them. So, this gave us an idea to build an application, by using which one can look for the stock prices and the news related to them at the same place.</a:t>
+              <a:t>In today's fast pacing era, it is hard for a stock investor/trader to keep track of the stock prices and the highlights related to them. So, this gave us an idea to build an application which one can look for the stock prices and the news related to them at the same place.</a:t>
             </a:r>
           </a:p>
         </p:txBody>
@@ -11340,8 +11340,8 @@
         </p:nvSpPr>
         <p:spPr>
           <a:xfrm>
-            <a:off x="961054" y="4413380"/>
-            <a:ext cx="11103428" cy="2308324"/>
+            <a:off x="961054" y="3676577"/>
+            <a:ext cx="11103428" cy="2585323"/>
           </a:xfrm>
           <a:prstGeom prst="rect">
             <a:avLst/>
@@ -11355,6 +11355,16 @@
           <a:lstStyle/>
           <a:p>
             <a:r>
+              <a:rPr lang="en-US" b="1" i="0" u="sng" dirty="0">
+                <a:effectLst/>
+                <a:latin typeface="Calibri" panose="020F0502020204030204" pitchFamily="34" charset="0"/>
+                <a:cs typeface="Calibri" panose="020F0502020204030204" pitchFamily="34" charset="0"/>
+              </a:rPr>
+              <a:t>User Story:</a:t>
+            </a:r>
+          </a:p>
+          <a:p>
+            <a:r>
               <a:rPr lang="en-US" b="0" i="0" dirty="0">
                 <a:effectLst/>
                 <a:latin typeface="Calibri" panose="020F0502020204030204" pitchFamily="34" charset="0"/>
@@ -11362,12 +11372,12 @@
               </a:rPr>
               <a:t>As a Stock Trader, I would like to see real time stock market news and stock updates so that I can make informed trades.</a:t>
             </a:r>
-            <a:br>
-              <a:rPr lang="en-US" dirty="0">
-                <a:latin typeface="Calibri" panose="020F0502020204030204" pitchFamily="34" charset="0"/>
-                <a:cs typeface="Calibri" panose="020F0502020204030204" pitchFamily="34" charset="0"/>
-              </a:rPr>
-            </a:br>
+          </a:p>
+          <a:p>
+            <a:pPr marL="285750" indent="-285750">
+              <a:buFont typeface="Arial" panose="020B0604020202020204" pitchFamily="34" charset="0"/>
+              <a:buChar char="•"/>
+            </a:pPr>
             <a:r>
               <a:rPr lang="en-US" b="0" i="0" dirty="0">
                 <a:effectLst/>
@@ -11376,12 +11386,12 @@
               </a:rPr>
               <a:t>It is done when I can search for a stock and view data about the stock (Opening and closing price, the name, ticker, day open, currency, volume and the day high/low)</a:t>
             </a:r>
-            <a:br>
-              <a:rPr lang="en-US" dirty="0">
-                <a:latin typeface="Calibri" panose="020F0502020204030204" pitchFamily="34" charset="0"/>
-                <a:cs typeface="Calibri" panose="020F0502020204030204" pitchFamily="34" charset="0"/>
-              </a:rPr>
-            </a:br>
+          </a:p>
+          <a:p>
+            <a:pPr marL="285750" indent="-285750">
+              <a:buFont typeface="Arial" panose="020B0604020202020204" pitchFamily="34" charset="0"/>
+              <a:buChar char="•"/>
+            </a:pPr>
             <a:r>
               <a:rPr lang="en-US" b="0" i="0" dirty="0">
                 <a:effectLst/>
@@ -11390,12 +11400,12 @@
               </a:rPr>
               <a:t>It is done when a modal pops up with news about the currently selected stock when clicked</a:t>
             </a:r>
-            <a:br>
-              <a:rPr lang="en-US" dirty="0">
-                <a:latin typeface="Calibri" panose="020F0502020204030204" pitchFamily="34" charset="0"/>
-                <a:cs typeface="Calibri" panose="020F0502020204030204" pitchFamily="34" charset="0"/>
-              </a:rPr>
-            </a:br>
+          </a:p>
+          <a:p>
+            <a:pPr marL="285750" indent="-285750">
+              <a:buFont typeface="Arial" panose="020B0604020202020204" pitchFamily="34" charset="0"/>
+              <a:buChar char="•"/>
+            </a:pPr>
             <a:r>
               <a:rPr lang="en-US" b="0" i="0" dirty="0">
                 <a:effectLst/>
@@ -11404,12 +11414,12 @@
               </a:rPr>
               <a:t>It is done when the selected stocks display some relevant info in graphical form.</a:t>
             </a:r>
-            <a:br>
-              <a:rPr lang="en-US" dirty="0">
-                <a:latin typeface="Calibri" panose="020F0502020204030204" pitchFamily="34" charset="0"/>
-                <a:cs typeface="Calibri" panose="020F0502020204030204" pitchFamily="34" charset="0"/>
-              </a:rPr>
-            </a:br>
+          </a:p>
+          <a:p>
+            <a:pPr marL="285750" indent="-285750">
+              <a:buFont typeface="Arial" panose="020B0604020202020204" pitchFamily="34" charset="0"/>
+              <a:buChar char="•"/>
+            </a:pPr>
             <a:r>
               <a:rPr lang="en-US" b="0" i="0" dirty="0">
                 <a:effectLst/>
@@ -20427,7 +20437,7 @@
             </a:pPr>
             <a:r>
               <a:rPr lang="en-CA" dirty="0"/>
-              <a:t>Web API</a:t>
+              <a:t>Web API’s</a:t>
             </a:r>
           </a:p>
           <a:p>
@@ -20440,13 +20450,8 @@
             </a:pPr>
             <a:r>
               <a:rPr lang="en-CA" dirty="0"/>
-              <a:t>Third party </a:t>
+              <a:t>Third party API’s</a:t>
             </a:r>
-            <a:r>
-              <a:rPr lang="en-CA" dirty="0" err="1"/>
-              <a:t>Api</a:t>
-            </a:r>
-            <a:endParaRPr lang="en-CA" dirty="0"/>
           </a:p>
           <a:p>
             <a:pPr marL="285750" indent="-285750">
@@ -20458,7 +20463,7 @@
             </a:pPr>
             <a:r>
               <a:rPr lang="en-CA" dirty="0"/>
-              <a:t>Libraries</a:t>
+              <a:t>Third Party Libraries</a:t>
             </a:r>
           </a:p>
           <a:p>
@@ -20484,8 +20489,8 @@
         </p:nvSpPr>
         <p:spPr>
           <a:xfrm>
-            <a:off x="317241" y="3294869"/>
-            <a:ext cx="8620963" cy="2308324"/>
+            <a:off x="207493" y="3269936"/>
+            <a:ext cx="8620963" cy="2585323"/>
           </a:xfrm>
           <a:prstGeom prst="rect">
             <a:avLst/>
@@ -20519,8 +20524,12 @@
               <a:buChar char="•"/>
             </a:pPr>
             <a:r>
+              <a:rPr lang="en-CA" dirty="0" err="1"/>
+              <a:t>Sachmilan</a:t>
+            </a:r>
+            <a:r>
               <a:rPr lang="en-CA" dirty="0"/>
-              <a:t>Sachmilan undertaken the Kanban board, worked on the third Party APIs, write the README file, CSS, and prepared the presentation.</a:t>
+              <a:t> undertook the Kanban board, worked on the third Party APIs, wrote the README file, CSS, and prepared the presentation.</a:t>
             </a:r>
           </a:p>
           <a:p>
@@ -20530,7 +20539,15 @@
             </a:pPr>
             <a:r>
               <a:rPr lang="en-CA" dirty="0"/>
-              <a:t>Sadegh worked on Search content and local storage. He also worked on he CSS.</a:t>
+              <a:t>Sadegh worked on the </a:t>
+            </a:r>
+            <a:r>
+              <a:rPr lang="en-CA"/>
+              <a:t>wireframe layout, search </a:t>
+            </a:r>
+            <a:r>
+              <a:rPr lang="en-CA" dirty="0"/>
+              <a:t>content and local storage. He also worked on the CSS.</a:t>
             </a:r>
           </a:p>
         </p:txBody>
@@ -20580,7 +20597,7 @@
         <p:spPr>
           <a:xfrm>
             <a:off x="735563" y="519375"/>
-            <a:ext cx="10720874" cy="1908215"/>
+            <a:ext cx="10720874" cy="2185214"/>
           </a:xfrm>
           <a:prstGeom prst="rect">
             <a:avLst/>
@@ -20618,15 +20635,7 @@
           <a:p>
             <a:r>
               <a:rPr lang="en-CA" dirty="0"/>
-              <a:t>All three of us had different experiences and skill-sets. Though John was experienced, but Sachmilan and </a:t>
-            </a:r>
-            <a:r>
-              <a:rPr lang="en-CA" dirty="0" err="1"/>
-              <a:t>Sadedh</a:t>
-            </a:r>
-            <a:r>
-              <a:rPr lang="en-CA" dirty="0"/>
-              <a:t> were learning a lot of the new stuff. So it got challenging sometimes, whenever we have to add a totally new concept to the project.</a:t>
+              <a:t>All three of us had different experiences and skill-sets. Though John was experienced, but Sachmilan and Sadegh were learning a lot of the new stuff. So it got challenging sometimes, especially whenever we have to add a totally new concept to the project. We also had to learn a lot about how stocks work in todays market such as ticker name being very important.</a:t>
             </a:r>
           </a:p>
         </p:txBody>
@@ -20684,7 +20693,7 @@
           <a:p>
             <a:r>
               <a:rPr lang="en-CA" dirty="0"/>
-              <a:t>Though the three of us faced an ample amount of challenges, but through sheer persistence we managed to overcome those hurdles. We learned new technologies how to make the graphs work in the project. Other than that, we worked with the new library called “Tailwind CSS”. </a:t>
+              <a:t>Though the three of us faced an ample amount of challenges, through sheer persistence we managed to overcome those hurdles. We learned new technologies, and how to make the graphs work in the project. Other than that, we worked with the new library called “Tailwind CSS”. </a:t>
             </a:r>
           </a:p>
           <a:p>
@@ -20895,7 +20904,7 @@
           <a:p>
             <a:r>
               <a:rPr lang="en-CA" dirty="0"/>
-              <a:t>This application is fairly easy to use, but still you need some basic knowledge of stocks, as you need a ticker name to search for the stock data. To look for the news all you have to click on a button called “news”. Apart from this, there is one more outstanding feature in the news modal, as it displays the highlights regarding the respective stock; however, if someone wishes to read the full article all he/she have is to click on the highlight. </a:t>
+              <a:t>This application is fairly easy to use, but you still need some basic knowledge of stocks, as you need a ticker name to search for the stock data. To look for the news all you have to click on a button called “news”. Apart from this, there is one more outstanding feature in the news modal, as it displays the highlights regarding the respective stock; however, if someone wishes to read the full article all he/she have is to click on the highlight. </a:t>
             </a:r>
           </a:p>
         </p:txBody>
@@ -21170,7 +21179,7 @@
             <p:ph sz="half" idx="2"/>
             <p:extLst>
               <p:ext uri="{D42A27DB-BD31-4B8C-83A1-F6EECF244321}">
-                <p14:modId xmlns:p14="http://schemas.microsoft.com/office/powerpoint/2010/main" val="322255400"/>
+                <p14:modId xmlns:p14="http://schemas.microsoft.com/office/powerpoint/2010/main" val="3916277319"/>
               </p:ext>
             </p:extLst>
           </p:nvPr>
@@ -21350,14 +21359,39 @@
           </a:bodyPr>
           <a:lstStyle/>
           <a:p>
-            <a:endParaRPr lang="en-US" dirty="0">
-              <a:solidFill>
-                <a:schemeClr val="accent1">
-                  <a:lumMod val="40000"/>
-                  <a:lumOff val="60000"/>
-                </a:schemeClr>
-              </a:solidFill>
-            </a:endParaRPr>
+            <a:r>
+              <a:rPr lang="en-US" dirty="0">
+                <a:solidFill>
+                  <a:schemeClr val="accent1">
+                    <a:lumMod val="40000"/>
+                    <a:lumOff val="60000"/>
+                  </a:schemeClr>
+                </a:solidFill>
+              </a:rPr>
+              <a:t>From John, </a:t>
+            </a:r>
+            <a:r>
+              <a:rPr lang="en-US" dirty="0" err="1">
+                <a:solidFill>
+                  <a:schemeClr val="accent1">
+                    <a:lumMod val="40000"/>
+                    <a:lumOff val="60000"/>
+                  </a:schemeClr>
+                </a:solidFill>
+              </a:rPr>
+              <a:t>Sachmilan</a:t>
+            </a:r>
+            <a:r>
+              <a:rPr lang="en-US" dirty="0">
+                <a:solidFill>
+                  <a:schemeClr val="accent1">
+                    <a:lumMod val="40000"/>
+                    <a:lumOff val="60000"/>
+                  </a:schemeClr>
+                </a:solidFill>
+              </a:rPr>
+              <a:t> and Sadegh</a:t>
+            </a:r>
           </a:p>
         </p:txBody>
       </p:sp>
@@ -22214,24 +22248,6 @@
 </file>
 
 <file path=customXml/item1.xml><?xml version="1.0" encoding="utf-8"?>
-<p:properties xmlns:p="http://schemas.microsoft.com/office/2006/metadata/properties" xmlns:xsi="http://www.w3.org/2001/XMLSchema-instance" xmlns:pc="http://schemas.microsoft.com/office/infopath/2007/PartnerControls">
-  <documentManagement>
-    <Status xmlns="71af3243-3dd4-4a8d-8c0d-dd76da1f02a5">Not started</Status>
-    <MediaServiceKeyPoints xmlns="71af3243-3dd4-4a8d-8c0d-dd76da1f02a5" xsi:nil="true"/>
-  </documentManagement>
-</p:properties>
-</file>
-
-<file path=customXml/item2.xml><?xml version="1.0" encoding="utf-8"?>
-<?mso-contentType ?>
-<FormTemplates xmlns="http://schemas.microsoft.com/sharepoint/v3/contenttype/forms">
-  <Display>DocumentLibraryForm</Display>
-  <Edit>DocumentLibraryForm</Edit>
-  <New>DocumentLibraryForm</New>
-</FormTemplates>
-</file>
-
-<file path=customXml/item3.xml><?xml version="1.0" encoding="utf-8"?>
 <ct:contentTypeSchema xmlns:ct="http://schemas.microsoft.com/office/2006/metadata/contentType" xmlns:ma="http://schemas.microsoft.com/office/2006/metadata/properties/metaAttributes" ct:_="" ma:_="" ma:contentTypeName="Document" ma:contentTypeID="0x01010079F111ED35F8CC479449609E8A0923A6" ma:contentTypeVersion="12" ma:contentTypeDescription="Create a new document." ma:contentTypeScope="" ma:versionID="93813dd7ca6ad654711aa0ab317e03a3">
   <xsd:schema xmlns:xsd="http://www.w3.org/2001/XMLSchema" xmlns:xs="http://www.w3.org/2001/XMLSchema" xmlns:p="http://schemas.microsoft.com/office/2006/metadata/properties" xmlns:ns2="71af3243-3dd4-4a8d-8c0d-dd76da1f02a5" xmlns:ns3="16c05727-aa75-4e4a-9b5f-8a80a1165891" targetNamespace="http://schemas.microsoft.com/office/2006/metadata/properties" ma:root="true" ma:fieldsID="f11dc0ce689dd3925e84e4e35398c6e7" ns2:_="" ns3:_="">
     <xsd:import namespace="71af3243-3dd4-4a8d-8c0d-dd76da1f02a5"/>
@@ -22452,25 +22468,25 @@
 </ct:contentTypeSchema>
 </file>
 
-<file path=customXml/itemProps1.xml><?xml version="1.0" encoding="utf-8"?>
-<ds:datastoreItem xmlns:ds="http://schemas.openxmlformats.org/officeDocument/2006/customXml" ds:itemID="{1F08B90B-70ED-4539-9C14-FB2728D9064F}">
-  <ds:schemaRefs>
-    <ds:schemaRef ds:uri="http://schemas.microsoft.com/office/2006/metadata/properties"/>
-    <ds:schemaRef ds:uri="http://schemas.microsoft.com/office/infopath/2007/PartnerControls"/>
-    <ds:schemaRef ds:uri="71af3243-3dd4-4a8d-8c0d-dd76da1f02a5"/>
-  </ds:schemaRefs>
-</ds:datastoreItem>
+<file path=customXml/item2.xml><?xml version="1.0" encoding="utf-8"?>
+<?mso-contentType ?>
+<FormTemplates xmlns="http://schemas.microsoft.com/sharepoint/v3/contenttype/forms">
+  <Display>DocumentLibraryForm</Display>
+  <Edit>DocumentLibraryForm</Edit>
+  <New>DocumentLibraryForm</New>
+</FormTemplates>
 </file>
 
-<file path=customXml/itemProps2.xml><?xml version="1.0" encoding="utf-8"?>
-<ds:datastoreItem xmlns:ds="http://schemas.openxmlformats.org/officeDocument/2006/customXml" ds:itemID="{A0D51BCB-0419-432E-B7F1-25548446A625}">
-  <ds:schemaRefs>
-    <ds:schemaRef ds:uri="http://schemas.microsoft.com/sharepoint/v3/contenttype/forms"/>
-  </ds:schemaRefs>
-</ds:datastoreItem>
+<file path=customXml/item3.xml><?xml version="1.0" encoding="utf-8"?>
+<p:properties xmlns:p="http://schemas.microsoft.com/office/2006/metadata/properties" xmlns:xsi="http://www.w3.org/2001/XMLSchema-instance" xmlns:pc="http://schemas.microsoft.com/office/infopath/2007/PartnerControls">
+  <documentManagement>
+    <Status xmlns="71af3243-3dd4-4a8d-8c0d-dd76da1f02a5">Not started</Status>
+    <MediaServiceKeyPoints xmlns="71af3243-3dd4-4a8d-8c0d-dd76da1f02a5" xsi:nil="true"/>
+  </documentManagement>
+</p:properties>
 </file>
 
-<file path=customXml/itemProps3.xml><?xml version="1.0" encoding="utf-8"?>
+<file path=customXml/itemProps1.xml><?xml version="1.0" encoding="utf-8"?>
 <ds:datastoreItem xmlns:ds="http://schemas.openxmlformats.org/officeDocument/2006/customXml" ds:itemID="{9E8D3305-1D9D-4BC8-A40F-6F8AE50BD76B}">
   <ds:schemaRefs>
     <ds:schemaRef ds:uri="http://schemas.microsoft.com/office/2006/metadata/contentType"/>
@@ -22487,4 +22503,22 @@
     <ds:schemaRef ds:uri="http://schemas.microsoft.com/internal/obd"/>
   </ds:schemaRefs>
 </ds:datastoreItem>
+</file>
+
+<file path=customXml/itemProps2.xml><?xml version="1.0" encoding="utf-8"?>
+<ds:datastoreItem xmlns:ds="http://schemas.openxmlformats.org/officeDocument/2006/customXml" ds:itemID="{A0D51BCB-0419-432E-B7F1-25548446A625}">
+  <ds:schemaRefs>
+    <ds:schemaRef ds:uri="http://schemas.microsoft.com/sharepoint/v3/contenttype/forms"/>
+  </ds:schemaRefs>
+</ds:datastoreItem>
+</file>
+
+<file path=customXml/itemProps3.xml><?xml version="1.0" encoding="utf-8"?>
+<ds:datastoreItem xmlns:ds="http://schemas.openxmlformats.org/officeDocument/2006/customXml" ds:itemID="{1F08B90B-70ED-4539-9C14-FB2728D9064F}">
+  <ds:schemaRefs>
+    <ds:schemaRef ds:uri="http://schemas.microsoft.com/office/2006/metadata/properties"/>
+    <ds:schemaRef ds:uri="http://schemas.microsoft.com/office/infopath/2007/PartnerControls"/>
+    <ds:schemaRef ds:uri="71af3243-3dd4-4a8d-8c0d-dd76da1f02a5"/>
+  </ds:schemaRefs>
+</ds:datastoreItem>
 </file>